--- a/Speech emotion analysis gender prediction ppt new.pptx
+++ b/Speech emotion analysis gender prediction ppt new.pptx
@@ -274,7 +274,7 @@
       </p15:sldGuideLst>
     </p:ext>
     <p:ext uri="GoogleSlidesCustomDataVersion2">
-      <go:slidesCustomData xmlns="" xmlns:mc="http://schemas.openxmlformats.org/markup-compatibility/2006" xmlns:mv="urn:schemas-microsoft-com:mac:vml" xmlns:c="http://schemas.openxmlformats.org/drawingml/2006/chart" xmlns:dgm="http://schemas.openxmlformats.org/drawingml/2006/diagram" xmlns:o="urn:schemas-microsoft-com:office:office" xmlns:v="urn:schemas-microsoft-com:vml" xmlns:pvml="urn:schemas-microsoft-com:office:powerpoint" xmlns:com="http://schemas.openxmlformats.org/drawingml/2006/compatibility" xmlns:p14="http://schemas.microsoft.com/office/powerpoint/2010/main" xmlns:p15="http://schemas.microsoft.com/office/powerpoint/2012/main" xmlns:ahyp="http://schemas.microsoft.com/office/drawing/2018/hyperlinkcolor" xmlns:go="http://customooxmlschemas.google.com/" r:id="rId25" roundtripDataSignature="AMtx7mgJXEgXw51dly7g2Xt+2rzvbxTXvQ=="/>
+      <go:slidesCustomData xmlns:go="http://customooxmlschemas.google.com/" xmlns:ahyp="http://schemas.microsoft.com/office/drawing/2018/hyperlinkcolor" xmlns:p15="http://schemas.microsoft.com/office/powerpoint/2012/main" xmlns:p14="http://schemas.microsoft.com/office/powerpoint/2010/main" xmlns:com="http://schemas.openxmlformats.org/drawingml/2006/compatibility" xmlns:pvml="urn:schemas-microsoft-com:office:powerpoint" xmlns:v="urn:schemas-microsoft-com:vml" xmlns:o="urn:schemas-microsoft-com:office:office" xmlns:dgm="http://schemas.openxmlformats.org/drawingml/2006/diagram" xmlns:c="http://schemas.openxmlformats.org/drawingml/2006/chart" xmlns:mv="urn:schemas-microsoft-com:mac:vml" xmlns:mc="http://schemas.openxmlformats.org/markup-compatibility/2006" xmlns="" r:id="rId25" roundtripDataSignature="AMtx7mgJXEgXw51dly7g2Xt+2rzvbxTXvQ=="/>
     </p:ext>
   </p:extLst>
 </p:presentation>
@@ -16733,7 +16733,7 @@
         <p:spPr>
           <a:xfrm>
             <a:off x="237360" y="4721352"/>
-            <a:ext cx="3801240" cy="738664"/>
+            <a:ext cx="3801240" cy="954067"/>
           </a:xfrm>
           <a:prstGeom prst="rect">
             <a:avLst/>
@@ -16767,7 +16767,7 @@
               <a:buNone/>
             </a:pPr>
             <a:r>
-              <a:rPr lang="en-IN" sz="1400" b="1" i="0" u="none" strike="noStrike" cap="none">
+              <a:rPr lang="en-IN" sz="1400" b="1" i="0" u="none" strike="noStrike" cap="none" dirty="0">
                 <a:solidFill>
                   <a:schemeClr val="dk1"/>
                 </a:solidFill>
@@ -16778,7 +16778,7 @@
               </a:rPr>
               <a:t>SUPERVISED BY</a:t>
             </a:r>
-            <a:endParaRPr sz="1400" b="0" i="0" u="none" strike="noStrike" cap="none">
+            <a:endParaRPr sz="1400" b="0" i="0" u="none" strike="noStrike" cap="none" dirty="0">
               <a:solidFill>
                 <a:srgbClr val="000000"/>
               </a:solidFill>
@@ -16806,7 +16806,7 @@
               <a:buFont typeface="Arial"/>
               <a:buNone/>
             </a:pPr>
-            <a:endParaRPr sz="1400" b="1" i="0" u="none" strike="noStrike" cap="none">
+            <a:endParaRPr sz="1400" b="1" i="0" u="none" strike="noStrike" cap="none" dirty="0">
               <a:solidFill>
                 <a:schemeClr val="dk1"/>
               </a:solidFill>
@@ -16835,7 +16835,7 @@
               <a:buNone/>
             </a:pPr>
             <a:r>
-              <a:rPr lang="en-IN" sz="1400" b="1" i="0" u="none" strike="noStrike" cap="none">
+              <a:rPr lang="en-IN" sz="1400" b="1" i="0" u="none" strike="noStrike" cap="none" dirty="0">
                 <a:solidFill>
                   <a:schemeClr val="dk1"/>
                 </a:solidFill>
@@ -16844,9 +16844,9 @@
                 <a:cs typeface="Times New Roman"/>
                 <a:sym typeface="Times New Roman"/>
               </a:rPr>
-              <a:t>Faculty Name &amp; Designation</a:t>
+              <a:t>Faculty Name &amp; Designation: Dr . Naveen Sundar[Associate Professor]</a:t>
             </a:r>
-            <a:endParaRPr sz="1400" b="0" i="0" u="none" strike="noStrike" cap="none">
+            <a:endParaRPr sz="1400" b="0" i="0" u="none" strike="noStrike" cap="none" dirty="0">
               <a:solidFill>
                 <a:schemeClr val="dk1"/>
               </a:solidFill>

--- a/Speech emotion analysis gender prediction ppt new.pptx
+++ b/Speech emotion analysis gender prediction ppt new.pptx
@@ -5,7 +5,7 @@
     <p:sldMasterId id="2147483648" r:id="rId1"/>
   </p:sldMasterIdLst>
   <p:notesMasterIdLst>
-    <p:notesMasterId r:id="rId20"/>
+    <p:notesMasterId r:id="rId24"/>
   </p:notesMasterIdLst>
   <p:sldIdLst>
     <p:sldId id="256" r:id="rId2"/>
@@ -26,6 +26,10 @@
     <p:sldId id="271" r:id="rId17"/>
     <p:sldId id="272" r:id="rId18"/>
     <p:sldId id="273" r:id="rId19"/>
+    <p:sldId id="274" r:id="rId20"/>
+    <p:sldId id="275" r:id="rId21"/>
+    <p:sldId id="276" r:id="rId22"/>
+    <p:sldId id="277" r:id="rId23"/>
   </p:sldIdLst>
   <p:sldSz cx="9144000" cy="6858000" type="screen4x3"/>
   <p:notesSz cx="6858000" cy="9144000"/>
@@ -274,7 +278,7 @@
       </p15:sldGuideLst>
     </p:ext>
     <p:ext uri="GoogleSlidesCustomDataVersion2">
-      <go:slidesCustomData xmlns:go="http://customooxmlschemas.google.com/" xmlns:ahyp="http://schemas.microsoft.com/office/drawing/2018/hyperlinkcolor" xmlns:p15="http://schemas.microsoft.com/office/powerpoint/2012/main" xmlns:p14="http://schemas.microsoft.com/office/powerpoint/2010/main" xmlns:com="http://schemas.openxmlformats.org/drawingml/2006/compatibility" xmlns:pvml="urn:schemas-microsoft-com:office:powerpoint" xmlns:v="urn:schemas-microsoft-com:vml" xmlns:o="urn:schemas-microsoft-com:office:office" xmlns:dgm="http://schemas.openxmlformats.org/drawingml/2006/diagram" xmlns:c="http://schemas.openxmlformats.org/drawingml/2006/chart" xmlns:mv="urn:schemas-microsoft-com:mac:vml" xmlns:mc="http://schemas.openxmlformats.org/markup-compatibility/2006" xmlns="" r:id="rId25" roundtripDataSignature="AMtx7mgJXEgXw51dly7g2Xt+2rzvbxTXvQ=="/>
+      <go:slidesCustomData xmlns="" xmlns:mc="http://schemas.openxmlformats.org/markup-compatibility/2006" xmlns:mv="urn:schemas-microsoft-com:mac:vml" xmlns:c="http://schemas.openxmlformats.org/drawingml/2006/chart" xmlns:dgm="http://schemas.openxmlformats.org/drawingml/2006/diagram" xmlns:o="urn:schemas-microsoft-com:office:office" xmlns:v="urn:schemas-microsoft-com:vml" xmlns:pvml="urn:schemas-microsoft-com:office:powerpoint" xmlns:com="http://schemas.openxmlformats.org/drawingml/2006/compatibility" xmlns:p14="http://schemas.microsoft.com/office/powerpoint/2010/main" xmlns:p15="http://schemas.microsoft.com/office/powerpoint/2012/main" xmlns:ahyp="http://schemas.microsoft.com/office/drawing/2018/hyperlinkcolor" xmlns:go="http://customooxmlschemas.google.com/" r:id="rId25" roundtripDataSignature="AMtx7mgJXEgXw51dly7g2Xt+2rzvbxTXvQ=="/>
     </p:ext>
   </p:extLst>
 </p:presentation>
@@ -17238,42 +17242,28 @@
             </a:r>
           </a:p>
           <a:p>
-            <a:pPr marL="457200" lvl="0" indent="-330200" algn="just" rtl="0">
+            <a:pPr marL="584200" lvl="1" indent="0" algn="just" rtl="0">
               <a:lnSpc>
                 <a:spcPct val="115000"/>
               </a:lnSpc>
               <a:spcBef>
-                <a:spcPts val="1200"/>
+                <a:spcPts val="0"/>
               </a:spcBef>
               <a:spcAft>
                 <a:spcPts val="0"/>
               </a:spcAft>
               <a:buSzPts val="1600"/>
-              <a:buFont typeface="Times New Roman"/>
-              <a:buAutoNum type="arabicPeriod"/>
+              <a:buNone/>
             </a:pPr>
-            <a:endParaRPr lang="en-US" sz="1600" b="1" dirty="0">
-              <a:latin typeface="Times New Roman"/>
-              <a:ea typeface="Times New Roman"/>
-              <a:cs typeface="Times New Roman"/>
-              <a:sym typeface="Times New Roman"/>
-            </a:endParaRPr>
-          </a:p>
-          <a:p>
-            <a:pPr marL="869950" lvl="1" indent="-285750" algn="just" rtl="0">
-              <a:lnSpc>
-                <a:spcPct val="115000"/>
-              </a:lnSpc>
-              <a:spcBef>
-                <a:spcPts val="0"/>
-              </a:spcBef>
-              <a:spcAft>
-                <a:spcPts val="0"/>
-              </a:spcAft>
-              <a:buSzPts val="1600"/>
-              <a:buFont typeface="Wingdings" panose="05000000000000000000" pitchFamily="2" charset="2"/>
-              <a:buChar char="ü"/>
-            </a:pPr>
+            <a:r>
+              <a:rPr lang="en-US" sz="1600" b="1" dirty="0">
+                <a:latin typeface="Times New Roman"/>
+                <a:ea typeface="Times New Roman"/>
+                <a:cs typeface="Times New Roman"/>
+                <a:sym typeface="Times New Roman"/>
+              </a:rPr>
+              <a:t>      </a:t>
+            </a:r>
             <a:r>
               <a:rPr lang="en-US" sz="1600" dirty="0">
                 <a:latin typeface="Times New Roman"/>
@@ -17543,7 +17533,7 @@
                 <a:cs typeface="Times New Roman"/>
                 <a:sym typeface="Times New Roman"/>
               </a:rPr>
-              <a:t>3.   Application Development</a:t>
+              <a:t>2.   Application Development</a:t>
             </a:r>
           </a:p>
           <a:p>
@@ -17572,7 +17562,7 @@
             </a:r>
           </a:p>
           <a:p>
-            <a:pPr marL="869950" lvl="1" indent="-285750" algn="just" rtl="0">
+            <a:pPr marL="584200" lvl="1" indent="0" algn="just" rtl="0">
               <a:lnSpc>
                 <a:spcPct val="115000"/>
               </a:lnSpc>
@@ -17583,18 +17573,14 @@
                 <a:spcPts val="0"/>
               </a:spcAft>
               <a:buSzPts val="1600"/>
-              <a:buFont typeface="Wingdings" panose="05000000000000000000" pitchFamily="2" charset="2"/>
-              <a:buChar char="ü"/>
+              <a:buNone/>
             </a:pPr>
-            <a:r>
-              <a:rPr lang="en-US" sz="1600" dirty="0">
-                <a:latin typeface="Times New Roman"/>
-                <a:ea typeface="Times New Roman"/>
-                <a:cs typeface="Times New Roman"/>
-                <a:sym typeface="Times New Roman"/>
-              </a:rPr>
-              <a:t>.</a:t>
-            </a:r>
+            <a:endParaRPr lang="en-US" sz="1600" dirty="0">
+              <a:latin typeface="Times New Roman"/>
+              <a:ea typeface="Times New Roman"/>
+              <a:cs typeface="Times New Roman"/>
+              <a:sym typeface="Times New Roman"/>
+            </a:endParaRPr>
           </a:p>
           <a:p>
             <a:pPr marL="127000" lvl="0" indent="0" algn="just" rtl="0">
@@ -17617,7 +17603,7 @@
                 <a:cs typeface="Times New Roman"/>
                 <a:sym typeface="Times New Roman"/>
               </a:rPr>
-              <a:t>4.   Testing and Deployment</a:t>
+              <a:t>3.   Testing and Deployment</a:t>
             </a:r>
           </a:p>
           <a:p>
@@ -21747,8 +21733,8 @@
         </p:blipFill>
         <p:spPr>
           <a:xfrm>
-            <a:off x="457200" y="1562118"/>
-            <a:ext cx="8382785" cy="4770337"/>
+            <a:off x="386499" y="1562118"/>
+            <a:ext cx="8300301" cy="4564045"/>
           </a:xfrm>
           <a:prstGeom prst="rect">
             <a:avLst/>
@@ -22422,6 +22408,114 @@
 </p:sld>
 </file>
 
+<file path=ppt/slides/slide19.xml><?xml version="1.0" encoding="utf-8"?>
+<p:sld xmlns:a="http://schemas.openxmlformats.org/drawingml/2006/main" xmlns:r="http://schemas.openxmlformats.org/officeDocument/2006/relationships" xmlns:p="http://schemas.openxmlformats.org/presentationml/2006/main">
+  <p:cSld>
+    <p:spTree>
+      <p:nvGrpSpPr>
+        <p:cNvPr id="1" name=""/>
+        <p:cNvGrpSpPr/>
+        <p:nvPr/>
+      </p:nvGrpSpPr>
+      <p:grpSpPr>
+        <a:xfrm>
+          <a:off x="0" y="0"/>
+          <a:ext cx="0" cy="0"/>
+          <a:chOff x="0" y="0"/>
+          <a:chExt cx="0" cy="0"/>
+        </a:xfrm>
+      </p:grpSpPr>
+      <p:pic>
+        <p:nvPicPr>
+          <p:cNvPr id="3" name="Picture 2">
+            <a:extLst>
+              <a:ext uri="{FF2B5EF4-FFF2-40B4-BE49-F238E27FC236}">
+                <a16:creationId xmlns:a16="http://schemas.microsoft.com/office/drawing/2014/main" id="{2AE184B9-DD16-0BDE-1A88-9028D77DB4CE}"/>
+              </a:ext>
+            </a:extLst>
+          </p:cNvPr>
+          <p:cNvPicPr>
+            <a:picLocks noChangeAspect="1"/>
+          </p:cNvPicPr>
+          <p:nvPr/>
+        </p:nvPicPr>
+        <p:blipFill>
+          <a:blip r:embed="rId2"/>
+          <a:stretch>
+            <a:fillRect/>
+          </a:stretch>
+        </p:blipFill>
+        <p:spPr>
+          <a:xfrm>
+            <a:off x="886121" y="1414021"/>
+            <a:ext cx="6909846" cy="4977352"/>
+          </a:xfrm>
+          <a:prstGeom prst="rect">
+            <a:avLst/>
+          </a:prstGeom>
+          <a:ln>
+            <a:noFill/>
+          </a:ln>
+          <a:effectLst>
+            <a:outerShdw blurRad="292100" dist="139700" dir="2700000" algn="tl" rotWithShape="0">
+              <a:srgbClr val="333333">
+                <a:alpha val="65000"/>
+              </a:srgbClr>
+            </a:outerShdw>
+          </a:effectLst>
+        </p:spPr>
+      </p:pic>
+      <p:sp>
+        <p:nvSpPr>
+          <p:cNvPr id="6" name="TextBox 5">
+            <a:extLst>
+              <a:ext uri="{FF2B5EF4-FFF2-40B4-BE49-F238E27FC236}">
+                <a16:creationId xmlns:a16="http://schemas.microsoft.com/office/drawing/2014/main" id="{C3B97F2C-2004-A3F8-8564-3990322BD564}"/>
+              </a:ext>
+            </a:extLst>
+          </p:cNvPr>
+          <p:cNvSpPr txBox="1"/>
+          <p:nvPr/>
+        </p:nvSpPr>
+        <p:spPr>
+          <a:xfrm>
+            <a:off x="886119" y="834273"/>
+            <a:ext cx="6438507" cy="461665"/>
+          </a:xfrm>
+          <a:prstGeom prst="rect">
+            <a:avLst/>
+          </a:prstGeom>
+          <a:noFill/>
+        </p:spPr>
+        <p:txBody>
+          <a:bodyPr wrap="square" rtlCol="0">
+            <a:spAutoFit/>
+          </a:bodyPr>
+          <a:lstStyle/>
+          <a:p>
+            <a:r>
+              <a:rPr lang="en-US" sz="2400" dirty="0">
+                <a:latin typeface="Times New Roman" panose="02020603050405020304" pitchFamily="18" charset="0"/>
+                <a:cs typeface="Times New Roman" panose="02020603050405020304" pitchFamily="18" charset="0"/>
+              </a:rPr>
+              <a:t>1.PUBLICATION JOURNAL ACCEPTANCE</a:t>
+            </a:r>
+          </a:p>
+        </p:txBody>
+      </p:sp>
+    </p:spTree>
+    <p:extLst>
+      <p:ext uri="{BB962C8B-B14F-4D97-AF65-F5344CB8AC3E}">
+        <p14:creationId xmlns:p14="http://schemas.microsoft.com/office/powerpoint/2010/main" val="773566832"/>
+      </p:ext>
+    </p:extLst>
+  </p:cSld>
+  <p:clrMapOvr>
+    <a:masterClrMapping/>
+  </p:clrMapOvr>
+</p:sld>
+</file>
+
 <file path=ppt/slides/slide2.xml><?xml version="1.0" encoding="utf-8"?>
 <p:sld xmlns:a="http://schemas.openxmlformats.org/drawingml/2006/main" xmlns:r="http://schemas.openxmlformats.org/officeDocument/2006/relationships" xmlns:p="http://schemas.openxmlformats.org/presentationml/2006/main">
   <p:cSld>
@@ -22945,6 +23039,291 @@
 </p:sld>
 </file>
 
+<file path=ppt/slides/slide20.xml><?xml version="1.0" encoding="utf-8"?>
+<p:sld xmlns:a="http://schemas.openxmlformats.org/drawingml/2006/main" xmlns:r="http://schemas.openxmlformats.org/officeDocument/2006/relationships" xmlns:p="http://schemas.openxmlformats.org/presentationml/2006/main">
+  <p:cSld>
+    <p:spTree>
+      <p:nvGrpSpPr>
+        <p:cNvPr id="1" name=""/>
+        <p:cNvGrpSpPr/>
+        <p:nvPr/>
+      </p:nvGrpSpPr>
+      <p:grpSpPr>
+        <a:xfrm>
+          <a:off x="0" y="0"/>
+          <a:ext cx="0" cy="0"/>
+          <a:chOff x="0" y="0"/>
+          <a:chExt cx="0" cy="0"/>
+        </a:xfrm>
+      </p:grpSpPr>
+      <p:pic>
+        <p:nvPicPr>
+          <p:cNvPr id="3" name="Picture 2">
+            <a:extLst>
+              <a:ext uri="{FF2B5EF4-FFF2-40B4-BE49-F238E27FC236}">
+                <a16:creationId xmlns:a16="http://schemas.microsoft.com/office/drawing/2014/main" id="{4A3B1F15-7B6A-581A-2F66-F046CFB365D6}"/>
+              </a:ext>
+            </a:extLst>
+          </p:cNvPr>
+          <p:cNvPicPr>
+            <a:picLocks noChangeAspect="1"/>
+          </p:cNvPicPr>
+          <p:nvPr/>
+        </p:nvPicPr>
+        <p:blipFill>
+          <a:blip r:embed="rId2"/>
+          <a:stretch>
+            <a:fillRect/>
+          </a:stretch>
+        </p:blipFill>
+        <p:spPr>
+          <a:xfrm>
+            <a:off x="895547" y="1258600"/>
+            <a:ext cx="6947554" cy="5161054"/>
+          </a:xfrm>
+          <a:prstGeom prst="rect">
+            <a:avLst/>
+          </a:prstGeom>
+          <a:ln>
+            <a:noFill/>
+          </a:ln>
+          <a:effectLst>
+            <a:outerShdw blurRad="292100" dist="139700" dir="2700000" algn="tl" rotWithShape="0">
+              <a:srgbClr val="333333">
+                <a:alpha val="65000"/>
+              </a:srgbClr>
+            </a:outerShdw>
+          </a:effectLst>
+        </p:spPr>
+      </p:pic>
+      <p:sp>
+        <p:nvSpPr>
+          <p:cNvPr id="6" name="TextBox 5">
+            <a:extLst>
+              <a:ext uri="{FF2B5EF4-FFF2-40B4-BE49-F238E27FC236}">
+                <a16:creationId xmlns:a16="http://schemas.microsoft.com/office/drawing/2014/main" id="{07B6C790-E9CB-3FD1-8E58-5B026CA4E99F}"/>
+              </a:ext>
+            </a:extLst>
+          </p:cNvPr>
+          <p:cNvSpPr txBox="1"/>
+          <p:nvPr/>
+        </p:nvSpPr>
+        <p:spPr>
+          <a:xfrm>
+            <a:off x="1168924" y="641023"/>
+            <a:ext cx="4449451" cy="461665"/>
+          </a:xfrm>
+          <a:prstGeom prst="rect">
+            <a:avLst/>
+          </a:prstGeom>
+          <a:noFill/>
+        </p:spPr>
+        <p:txBody>
+          <a:bodyPr wrap="square" rtlCol="0">
+            <a:spAutoFit/>
+          </a:bodyPr>
+          <a:lstStyle/>
+          <a:p>
+            <a:r>
+              <a:rPr lang="en-US" sz="2400" dirty="0">
+                <a:latin typeface="Times New Roman" panose="02020603050405020304" pitchFamily="18" charset="0"/>
+                <a:cs typeface="Times New Roman" panose="02020603050405020304" pitchFamily="18" charset="0"/>
+              </a:rPr>
+              <a:t>CONFERENCE CERTIFICATE</a:t>
+            </a:r>
+          </a:p>
+        </p:txBody>
+      </p:sp>
+    </p:spTree>
+    <p:extLst>
+      <p:ext uri="{BB962C8B-B14F-4D97-AF65-F5344CB8AC3E}">
+        <p14:creationId xmlns:p14="http://schemas.microsoft.com/office/powerpoint/2010/main" val="1702865231"/>
+      </p:ext>
+    </p:extLst>
+  </p:cSld>
+  <p:clrMapOvr>
+    <a:masterClrMapping/>
+  </p:clrMapOvr>
+</p:sld>
+</file>
+
+<file path=ppt/slides/slide21.xml><?xml version="1.0" encoding="utf-8"?>
+<p:sld xmlns:a="http://schemas.openxmlformats.org/drawingml/2006/main" xmlns:r="http://schemas.openxmlformats.org/officeDocument/2006/relationships" xmlns:p="http://schemas.openxmlformats.org/presentationml/2006/main">
+  <p:cSld>
+    <p:spTree>
+      <p:nvGrpSpPr>
+        <p:cNvPr id="1" name=""/>
+        <p:cNvGrpSpPr/>
+        <p:nvPr/>
+      </p:nvGrpSpPr>
+      <p:grpSpPr>
+        <a:xfrm>
+          <a:off x="0" y="0"/>
+          <a:ext cx="0" cy="0"/>
+          <a:chOff x="0" y="0"/>
+          <a:chExt cx="0" cy="0"/>
+        </a:xfrm>
+      </p:grpSpPr>
+      <p:pic>
+        <p:nvPicPr>
+          <p:cNvPr id="3" name="Picture 2">
+            <a:extLst>
+              <a:ext uri="{FF2B5EF4-FFF2-40B4-BE49-F238E27FC236}">
+                <a16:creationId xmlns:a16="http://schemas.microsoft.com/office/drawing/2014/main" id="{74373059-36CC-C078-3886-BA4C2CBC6889}"/>
+              </a:ext>
+            </a:extLst>
+          </p:cNvPr>
+          <p:cNvPicPr>
+            <a:picLocks noChangeAspect="1"/>
+          </p:cNvPicPr>
+          <p:nvPr/>
+        </p:nvPicPr>
+        <p:blipFill>
+          <a:blip r:embed="rId2"/>
+          <a:stretch>
+            <a:fillRect/>
+          </a:stretch>
+        </p:blipFill>
+        <p:spPr>
+          <a:xfrm>
+            <a:off x="1027522" y="1310326"/>
+            <a:ext cx="6928701" cy="4992701"/>
+          </a:xfrm>
+          <a:prstGeom prst="rect">
+            <a:avLst/>
+          </a:prstGeom>
+          <a:ln>
+            <a:noFill/>
+          </a:ln>
+          <a:effectLst>
+            <a:outerShdw blurRad="292100" dist="139700" dir="2700000" algn="tl" rotWithShape="0">
+              <a:srgbClr val="333333">
+                <a:alpha val="65000"/>
+              </a:srgbClr>
+            </a:outerShdw>
+          </a:effectLst>
+        </p:spPr>
+      </p:pic>
+      <p:sp>
+        <p:nvSpPr>
+          <p:cNvPr id="4" name="TextBox 3">
+            <a:extLst>
+              <a:ext uri="{FF2B5EF4-FFF2-40B4-BE49-F238E27FC236}">
+                <a16:creationId xmlns:a16="http://schemas.microsoft.com/office/drawing/2014/main" id="{AE3E2E73-F8B0-BEE5-F5E2-6A3503E794CA}"/>
+              </a:ext>
+            </a:extLst>
+          </p:cNvPr>
+          <p:cNvSpPr txBox="1"/>
+          <p:nvPr/>
+        </p:nvSpPr>
+        <p:spPr>
+          <a:xfrm>
+            <a:off x="829557" y="669304"/>
+            <a:ext cx="5533535" cy="461665"/>
+          </a:xfrm>
+          <a:prstGeom prst="rect">
+            <a:avLst/>
+          </a:prstGeom>
+          <a:noFill/>
+        </p:spPr>
+        <p:txBody>
+          <a:bodyPr wrap="square" rtlCol="0">
+            <a:spAutoFit/>
+          </a:bodyPr>
+          <a:lstStyle/>
+          <a:p>
+            <a:r>
+              <a:rPr lang="en-US" sz="2400" dirty="0">
+                <a:latin typeface="Times New Roman" panose="02020603050405020304" pitchFamily="18" charset="0"/>
+                <a:cs typeface="Times New Roman" panose="02020603050405020304" pitchFamily="18" charset="0"/>
+              </a:rPr>
+              <a:t>2.CONFERENCE PUBLICATION</a:t>
+            </a:r>
+          </a:p>
+        </p:txBody>
+      </p:sp>
+    </p:spTree>
+    <p:extLst>
+      <p:ext uri="{BB962C8B-B14F-4D97-AF65-F5344CB8AC3E}">
+        <p14:creationId xmlns:p14="http://schemas.microsoft.com/office/powerpoint/2010/main" val="1589953687"/>
+      </p:ext>
+    </p:extLst>
+  </p:cSld>
+  <p:clrMapOvr>
+    <a:masterClrMapping/>
+  </p:clrMapOvr>
+</p:sld>
+</file>
+
+<file path=ppt/slides/slide22.xml><?xml version="1.0" encoding="utf-8"?>
+<p:sld xmlns:a="http://schemas.openxmlformats.org/drawingml/2006/main" xmlns:r="http://schemas.openxmlformats.org/officeDocument/2006/relationships" xmlns:p="http://schemas.openxmlformats.org/presentationml/2006/main">
+  <p:cSld>
+    <p:spTree>
+      <p:nvGrpSpPr>
+        <p:cNvPr id="1" name=""/>
+        <p:cNvGrpSpPr/>
+        <p:nvPr/>
+      </p:nvGrpSpPr>
+      <p:grpSpPr>
+        <a:xfrm>
+          <a:off x="0" y="0"/>
+          <a:ext cx="0" cy="0"/>
+          <a:chOff x="0" y="0"/>
+          <a:chExt cx="0" cy="0"/>
+        </a:xfrm>
+      </p:grpSpPr>
+      <p:sp>
+        <p:nvSpPr>
+          <p:cNvPr id="2" name="TextBox 1">
+            <a:extLst>
+              <a:ext uri="{FF2B5EF4-FFF2-40B4-BE49-F238E27FC236}">
+                <a16:creationId xmlns:a16="http://schemas.microsoft.com/office/drawing/2014/main" id="{673ACDA8-5AAE-A13A-854A-549460B4A486}"/>
+              </a:ext>
+            </a:extLst>
+          </p:cNvPr>
+          <p:cNvSpPr txBox="1"/>
+          <p:nvPr/>
+        </p:nvSpPr>
+        <p:spPr>
+          <a:xfrm>
+            <a:off x="2413262" y="2111604"/>
+            <a:ext cx="4512888" cy="769441"/>
+          </a:xfrm>
+          <a:prstGeom prst="rect">
+            <a:avLst/>
+          </a:prstGeom>
+          <a:noFill/>
+        </p:spPr>
+        <p:txBody>
+          <a:bodyPr wrap="square" rtlCol="0">
+            <a:spAutoFit/>
+          </a:bodyPr>
+          <a:lstStyle/>
+          <a:p>
+            <a:r>
+              <a:rPr lang="en-US" sz="4400" dirty="0">
+                <a:latin typeface="Times New Roman" panose="02020603050405020304" pitchFamily="18" charset="0"/>
+                <a:cs typeface="Times New Roman" panose="02020603050405020304" pitchFamily="18" charset="0"/>
+              </a:rPr>
+              <a:t>THANK YOU!</a:t>
+            </a:r>
+            <a:endParaRPr lang="en-US" dirty="0"/>
+          </a:p>
+        </p:txBody>
+      </p:sp>
+    </p:spTree>
+    <p:extLst>
+      <p:ext uri="{BB962C8B-B14F-4D97-AF65-F5344CB8AC3E}">
+        <p14:creationId xmlns:p14="http://schemas.microsoft.com/office/powerpoint/2010/main" val="4033053311"/>
+      </p:ext>
+    </p:extLst>
+  </p:cSld>
+  <p:clrMapOvr>
+    <a:masterClrMapping/>
+  </p:clrMapOvr>
+</p:sld>
+</file>
+
 <file path=ppt/slides/slide3.xml><?xml version="1.0" encoding="utf-8"?>
 <p:sld xmlns:a="http://schemas.openxmlformats.org/drawingml/2006/main" xmlns:r="http://schemas.openxmlformats.org/officeDocument/2006/relationships" xmlns:p="http://schemas.openxmlformats.org/presentationml/2006/main">
   <p:cSld>
@@ -23015,25 +23394,7 @@
                 <a:cs typeface="Times New Roman"/>
                 <a:sym typeface="Times New Roman"/>
               </a:rPr>
-              <a:t>Speech emotion recognition and gender prediction are critical for advancing human-computer interaction, call-</a:t>
-            </a:r>
-            <a:r>
-              <a:rPr lang="en-IN" sz="1600" dirty="0" err="1">
-                <a:latin typeface="Times New Roman"/>
-                <a:ea typeface="Times New Roman"/>
-                <a:cs typeface="Times New Roman"/>
-                <a:sym typeface="Times New Roman"/>
-              </a:rPr>
-              <a:t>center</a:t>
-            </a:r>
-            <a:r>
-              <a:rPr lang="en-IN" sz="1600" dirty="0">
-                <a:latin typeface="Times New Roman"/>
-                <a:ea typeface="Times New Roman"/>
-                <a:cs typeface="Times New Roman"/>
-                <a:sym typeface="Times New Roman"/>
-              </a:rPr>
-              <a:t> analytics, and mental health monitoring.</a:t>
+              <a:t>Speech emotion recognition and gender prediction are critical for advancing human-computer interaction, call-centre analytics, and mental health monitoring.</a:t>
             </a:r>
           </a:p>
           <a:p>
@@ -23356,7 +23717,7 @@
                 <a:cs typeface="Times New Roman"/>
                 <a:sym typeface="Times New Roman"/>
               </a:rPr>
-              <a:t>To develop an advanced Recurrent Neural Network (RNN) framework for simultaneous prediction of emotions and gender from speech signals, ensuring accurate and reliable analysis across diverse real-world scenarios.</a:t>
+              <a:t>To develop an advanced Recurrent Neural Network (RNN) framework for the simultaneous prediction of emotions and gender from speech signals, ensuring accurate and reliable analysis across diverse real-world scenarios.</a:t>
             </a:r>
           </a:p>
           <a:p>
@@ -23447,7 +23808,7 @@
                 <a:cs typeface="Times New Roman"/>
                 <a:sym typeface="Times New Roman"/>
               </a:rPr>
-              <a:t>Librosa</a:t>
+              <a:t>librosa</a:t>
             </a:r>
             <a:r>
               <a:rPr lang="en-IN" sz="1600" dirty="0">
@@ -24691,7 +25052,7 @@
                 <a:cs typeface="Times New Roman"/>
                 <a:sym typeface="Times New Roman"/>
               </a:rPr>
-              <a:t>Training:</a:t>
+              <a:t>Training</a:t>
             </a:r>
             <a:r>
               <a:rPr lang="en-IN" sz="1600" dirty="0">
